--- a/Filtering In Generic Collections.pptx
+++ b/Filtering In Generic Collections.pptx
@@ -300,7 +300,7 @@
             <a:fld id="{D920E42C-6D72-46ED-8867-2F90753C0DE8}" type="datetimeFigureOut">
               <a:rPr lang="en-US" smtClean="0"/>
               <a:pPr/>
-              <a:t>3/11/2014</a:t>
+              <a:t>4/19/2019</a:t>
             </a:fld>
             <a:endParaRPr lang="en-US"/>
           </a:p>
@@ -470,7 +470,7 @@
             <a:fld id="{D920E42C-6D72-46ED-8867-2F90753C0DE8}" type="datetimeFigureOut">
               <a:rPr lang="en-US" smtClean="0"/>
               <a:pPr/>
-              <a:t>3/11/2014</a:t>
+              <a:t>4/19/2019</a:t>
             </a:fld>
             <a:endParaRPr lang="en-US"/>
           </a:p>
@@ -650,7 +650,7 @@
             <a:fld id="{D920E42C-6D72-46ED-8867-2F90753C0DE8}" type="datetimeFigureOut">
               <a:rPr lang="en-US" smtClean="0"/>
               <a:pPr/>
-              <a:t>3/11/2014</a:t>
+              <a:t>4/19/2019</a:t>
             </a:fld>
             <a:endParaRPr lang="en-US"/>
           </a:p>
@@ -820,7 +820,7 @@
             <a:fld id="{D920E42C-6D72-46ED-8867-2F90753C0DE8}" type="datetimeFigureOut">
               <a:rPr lang="en-US" smtClean="0"/>
               <a:pPr/>
-              <a:t>3/11/2014</a:t>
+              <a:t>4/19/2019</a:t>
             </a:fld>
             <a:endParaRPr lang="en-US"/>
           </a:p>
@@ -1066,7 +1066,7 @@
             <a:fld id="{D920E42C-6D72-46ED-8867-2F90753C0DE8}" type="datetimeFigureOut">
               <a:rPr lang="en-US" smtClean="0"/>
               <a:pPr/>
-              <a:t>3/11/2014</a:t>
+              <a:t>4/19/2019</a:t>
             </a:fld>
             <a:endParaRPr lang="en-US"/>
           </a:p>
@@ -1354,7 +1354,7 @@
             <a:fld id="{D920E42C-6D72-46ED-8867-2F90753C0DE8}" type="datetimeFigureOut">
               <a:rPr lang="en-US" smtClean="0"/>
               <a:pPr/>
-              <a:t>3/11/2014</a:t>
+              <a:t>4/19/2019</a:t>
             </a:fld>
             <a:endParaRPr lang="en-US"/>
           </a:p>
@@ -1776,7 +1776,7 @@
             <a:fld id="{D920E42C-6D72-46ED-8867-2F90753C0DE8}" type="datetimeFigureOut">
               <a:rPr lang="en-US" smtClean="0"/>
               <a:pPr/>
-              <a:t>3/11/2014</a:t>
+              <a:t>4/19/2019</a:t>
             </a:fld>
             <a:endParaRPr lang="en-US"/>
           </a:p>
@@ -1894,7 +1894,7 @@
             <a:fld id="{D920E42C-6D72-46ED-8867-2F90753C0DE8}" type="datetimeFigureOut">
               <a:rPr lang="en-US" smtClean="0"/>
               <a:pPr/>
-              <a:t>3/11/2014</a:t>
+              <a:t>4/19/2019</a:t>
             </a:fld>
             <a:endParaRPr lang="en-US"/>
           </a:p>
@@ -1989,7 +1989,7 @@
             <a:fld id="{D920E42C-6D72-46ED-8867-2F90753C0DE8}" type="datetimeFigureOut">
               <a:rPr lang="en-US" smtClean="0"/>
               <a:pPr/>
-              <a:t>3/11/2014</a:t>
+              <a:t>4/19/2019</a:t>
             </a:fld>
             <a:endParaRPr lang="en-US"/>
           </a:p>
@@ -2266,7 +2266,7 @@
             <a:fld id="{D920E42C-6D72-46ED-8867-2F90753C0DE8}" type="datetimeFigureOut">
               <a:rPr lang="en-US" smtClean="0"/>
               <a:pPr/>
-              <a:t>3/11/2014</a:t>
+              <a:t>4/19/2019</a:t>
             </a:fld>
             <a:endParaRPr lang="en-US"/>
           </a:p>
@@ -2519,7 +2519,7 @@
             <a:fld id="{D920E42C-6D72-46ED-8867-2F90753C0DE8}" type="datetimeFigureOut">
               <a:rPr lang="en-US" smtClean="0"/>
               <a:pPr/>
-              <a:t>3/11/2014</a:t>
+              <a:t>4/19/2019</a:t>
             </a:fld>
             <a:endParaRPr lang="en-US"/>
           </a:p>
@@ -2737,7 +2737,7 @@
             <a:fld id="{D920E42C-6D72-46ED-8867-2F90753C0DE8}" type="datetimeFigureOut">
               <a:rPr lang="en-US" smtClean="0"/>
               <a:pPr/>
-              <a:t>3/11/2014</a:t>
+              <a:t>4/19/2019</a:t>
             </a:fld>
             <a:endParaRPr lang="en-US"/>
           </a:p>
@@ -3159,131 +3159,10 @@
               <a:rPr lang="en-US" b="1" u="sng" dirty="0" smtClean="0">
                 <a:latin typeface="Baskerville Old Face" pitchFamily="18" charset="0"/>
               </a:rPr>
-              <a:t>List&lt;T</a:t>
-            </a:r>
-            <a:r>
-              <a:rPr lang="en-US" b="1" u="sng" dirty="0" smtClean="0">
-                <a:latin typeface="Baskerville Old Face" pitchFamily="18" charset="0"/>
-              </a:rPr>
-              <a:t>&gt;</a:t>
+              <a:t>List&lt;T&gt;</a:t>
             </a:r>
             <a:endParaRPr lang="en-US" b="1" u="sng" dirty="0">
               <a:latin typeface="Baskerville Old Face" pitchFamily="18" charset="0"/>
-            </a:endParaRPr>
-          </a:p>
-        </p:txBody>
-      </p:sp>
-      <p:sp>
-        <p:nvSpPr>
-          <p:cNvPr id="3" name="Content Placeholder 2"/>
-          <p:cNvSpPr txBox="1">
-            <a:spLocks/>
-          </p:cNvSpPr>
-          <p:nvPr/>
-        </p:nvSpPr>
-        <p:spPr>
-          <a:xfrm>
-            <a:off x="685800" y="5638800"/>
-            <a:ext cx="8229600" cy="609600"/>
-          </a:xfrm>
-          <a:prstGeom prst="rect">
-            <a:avLst/>
-          </a:prstGeom>
-        </p:spPr>
-        <p:txBody>
-          <a:bodyPr vert="horz" lIns="91440" tIns="45720" rIns="91440" bIns="45720" rtlCol="0">
-            <a:normAutofit fontScale="55000" lnSpcReduction="20000"/>
-          </a:bodyPr>
-          <a:lstStyle/>
-          <a:p>
-            <a:pPr marL="0" marR="0" lvl="0" indent="0" algn="r" defTabSz="914400" rtl="0" eaLnBrk="1" fontAlgn="auto" latinLnBrk="0" hangingPunct="1">
-              <a:lnSpc>
-                <a:spcPct val="100000"/>
-              </a:lnSpc>
-              <a:spcBef>
-                <a:spcPct val="20000"/>
-              </a:spcBef>
-              <a:spcAft>
-                <a:spcPts val="0"/>
-              </a:spcAft>
-              <a:buClrTx/>
-              <a:buSzTx/>
-              <a:buFont typeface="Arial" pitchFamily="34" charset="0"/>
-              <a:buNone/>
-              <a:tabLst/>
-              <a:defRPr/>
-            </a:pPr>
-            <a:r>
-              <a:rPr kumimoji="0" lang="en-US" sz="3200" b="0" i="0" u="none" strike="noStrike" kern="1200" cap="none" spc="0" normalizeH="0" baseline="0" noProof="0" dirty="0" smtClean="0">
-                <a:ln>
-                  <a:noFill/>
-                </a:ln>
-                <a:effectLst/>
-                <a:uLnTx/>
-                <a:uFillTx/>
-                <a:latin typeface="+mn-lt"/>
-                <a:ea typeface="+mn-ea"/>
-                <a:cs typeface="+mn-cs"/>
-              </a:rPr>
-              <a:t>By:-</a:t>
-            </a:r>
-          </a:p>
-          <a:p>
-            <a:pPr marL="0" marR="0" lvl="0" indent="0" algn="r" defTabSz="914400" rtl="0" eaLnBrk="1" fontAlgn="auto" latinLnBrk="0" hangingPunct="1">
-              <a:lnSpc>
-                <a:spcPct val="100000"/>
-              </a:lnSpc>
-              <a:spcBef>
-                <a:spcPct val="20000"/>
-              </a:spcBef>
-              <a:spcAft>
-                <a:spcPts val="0"/>
-              </a:spcAft>
-              <a:buClrTx/>
-              <a:buSzTx/>
-              <a:buFont typeface="Arial" pitchFamily="34" charset="0"/>
-              <a:buNone/>
-              <a:tabLst/>
-              <a:defRPr/>
-            </a:pPr>
-            <a:r>
-              <a:rPr kumimoji="0" lang="en-US" sz="3200" b="0" i="0" u="none" strike="noStrike" kern="1200" cap="none" spc="0" normalizeH="0" baseline="0" noProof="0" dirty="0" err="1" smtClean="0">
-                <a:ln>
-                  <a:noFill/>
-                </a:ln>
-                <a:effectLst/>
-                <a:uLnTx/>
-                <a:uFillTx/>
-                <a:latin typeface="+mn-lt"/>
-                <a:ea typeface="+mn-ea"/>
-                <a:cs typeface="+mn-cs"/>
-              </a:rPr>
-              <a:t>Sahil</a:t>
-            </a:r>
-            <a:r>
-              <a:rPr kumimoji="0" lang="en-US" sz="3200" b="0" i="0" u="none" strike="noStrike" kern="1200" cap="none" spc="0" normalizeH="0" baseline="0" noProof="0" dirty="0" smtClean="0">
-                <a:ln>
-                  <a:noFill/>
-                </a:ln>
-                <a:effectLst/>
-                <a:uLnTx/>
-                <a:uFillTx/>
-                <a:latin typeface="+mn-lt"/>
-                <a:ea typeface="+mn-ea"/>
-                <a:cs typeface="+mn-cs"/>
-              </a:rPr>
-              <a:t> Jain</a:t>
-            </a:r>
-            <a:endParaRPr kumimoji="0" lang="en-US" sz="3200" b="0" i="0" u="none" strike="noStrike" kern="1200" cap="none" spc="0" normalizeH="0" baseline="0" noProof="0" dirty="0">
-              <a:ln>
-                <a:noFill/>
-              </a:ln>
-              <a:effectLst/>
-              <a:uLnTx/>
-              <a:uFillTx/>
-              <a:latin typeface="+mn-lt"/>
-              <a:ea typeface="+mn-ea"/>
-              <a:cs typeface="+mn-cs"/>
             </a:endParaRPr>
           </a:p>
         </p:txBody>
@@ -4421,19 +4300,7 @@
           <a:p>
             <a:r>
               <a:rPr lang="en-US" dirty="0" smtClean="0"/>
-              <a:t>What is </a:t>
-            </a:r>
-            <a:r>
-              <a:rPr lang="en-US" dirty="0" smtClean="0"/>
-              <a:t>List&lt;T</a:t>
-            </a:r>
-            <a:r>
-              <a:rPr lang="en-US" dirty="0" smtClean="0"/>
-              <a:t>&gt;</a:t>
-            </a:r>
-            <a:r>
-              <a:rPr lang="en-US" dirty="0" smtClean="0"/>
-              <a:t>???</a:t>
+              <a:t>What is List&lt;T&gt;???</a:t>
             </a:r>
             <a:endParaRPr lang="en-US" dirty="0"/>
           </a:p>
